--- a/Project 4_Group_5_Stock Analysis_Top Five_High-Tech_Companies.pptx
+++ b/Project 4_Group_5_Stock Analysis_Top Five_High-Tech_Companies.pptx
@@ -5,7 +5,7 @@
     <p:sldMasterId id="2147483660" r:id="rId1"/>
   </p:sldMasterIdLst>
   <p:notesMasterIdLst>
-    <p:notesMasterId r:id="rId11"/>
+    <p:notesMasterId r:id="rId13"/>
   </p:notesMasterIdLst>
   <p:sldIdLst>
     <p:sldId id="256" r:id="rId2"/>
@@ -17,23 +17,25 @@
     <p:sldId id="262" r:id="rId8"/>
     <p:sldId id="263" r:id="rId9"/>
     <p:sldId id="264" r:id="rId10"/>
+    <p:sldId id="266" r:id="rId11"/>
+    <p:sldId id="265" r:id="rId12"/>
   </p:sldIdLst>
   <p:sldSz cx="9144000" cy="5143500" type="screen16x9"/>
   <p:notesSz cx="6858000" cy="9144000"/>
   <p:embeddedFontLst>
     <p:embeddedFont>
       <p:font typeface="Calibri" panose="020F0502020204030204" pitchFamily="34" charset="0"/>
-      <p:regular r:id="rId12"/>
-      <p:bold r:id="rId13"/>
-      <p:italic r:id="rId14"/>
-      <p:boldItalic r:id="rId15"/>
+      <p:regular r:id="rId14"/>
+      <p:bold r:id="rId15"/>
+      <p:italic r:id="rId16"/>
+      <p:boldItalic r:id="rId17"/>
     </p:embeddedFont>
     <p:embeddedFont>
       <p:font typeface="Roboto" panose="02000000000000000000" pitchFamily="2" charset="0"/>
-      <p:regular r:id="rId16"/>
-      <p:bold r:id="rId17"/>
-      <p:italic r:id="rId18"/>
-      <p:boldItalic r:id="rId19"/>
+      <p:regular r:id="rId18"/>
+      <p:bold r:id="rId19"/>
+      <p:italic r:id="rId20"/>
+      <p:boldItalic r:id="rId21"/>
     </p:embeddedFont>
   </p:embeddedFontLst>
   <p:defaultTextStyle>
@@ -822,6 +824,224 @@
         </p:spPr>
       </p:sp>
     </p:spTree>
+  </p:cSld>
+  <p:clrMapOvr>
+    <a:masterClrMapping/>
+  </p:clrMapOvr>
+</p:notes>
+</file>
+
+<file path=ppt/notesSlides/notesSlide10.xml><?xml version="1.0" encoding="utf-8"?>
+<p:notes xmlns:a="http://schemas.openxmlformats.org/drawingml/2006/main" xmlns:r="http://schemas.openxmlformats.org/officeDocument/2006/relationships" xmlns:p="http://schemas.openxmlformats.org/presentationml/2006/main" showMasterSp="0" showMasterPhAnim="0">
+  <p:cSld>
+    <p:spTree>
+      <p:nvGrpSpPr>
+        <p:cNvPr id="1" name="Shape 125"/>
+        <p:cNvGrpSpPr/>
+        <p:nvPr/>
+      </p:nvGrpSpPr>
+      <p:grpSpPr>
+        <a:xfrm>
+          <a:off x="0" y="0"/>
+          <a:ext cx="0" cy="0"/>
+          <a:chOff x="0" y="0"/>
+          <a:chExt cx="0" cy="0"/>
+        </a:xfrm>
+      </p:grpSpPr>
+      <p:sp>
+        <p:nvSpPr>
+          <p:cNvPr id="126" name="Google Shape;126;gf7007e9f55_2_0:notes"/>
+          <p:cNvSpPr>
+            <a:spLocks noGrp="1" noRot="1" noChangeAspect="1"/>
+          </p:cNvSpPr>
+          <p:nvPr>
+            <p:ph type="sldImg" idx="2"/>
+          </p:nvPr>
+        </p:nvSpPr>
+        <p:spPr>
+          <a:xfrm>
+            <a:off x="381000" y="685800"/>
+            <a:ext cx="6096000" cy="3429000"/>
+          </a:xfrm>
+          <a:custGeom>
+            <a:avLst/>
+            <a:gdLst/>
+            <a:ahLst/>
+            <a:cxnLst/>
+            <a:rect l="l" t="t" r="r" b="b"/>
+            <a:pathLst>
+              <a:path w="120000" h="120000" extrusionOk="0">
+                <a:moveTo>
+                  <a:pt x="0" y="0"/>
+                </a:moveTo>
+                <a:lnTo>
+                  <a:pt x="120000" y="0"/>
+                </a:lnTo>
+                <a:lnTo>
+                  <a:pt x="120000" y="120000"/>
+                </a:lnTo>
+                <a:lnTo>
+                  <a:pt x="0" y="120000"/>
+                </a:lnTo>
+                <a:close/>
+              </a:path>
+            </a:pathLst>
+          </a:custGeom>
+        </p:spPr>
+      </p:sp>
+      <p:sp>
+        <p:nvSpPr>
+          <p:cNvPr id="127" name="Google Shape;127;gf7007e9f55_2_0:notes"/>
+          <p:cNvSpPr txBox="1">
+            <a:spLocks noGrp="1"/>
+          </p:cNvSpPr>
+          <p:nvPr>
+            <p:ph type="body" idx="1"/>
+          </p:nvPr>
+        </p:nvSpPr>
+        <p:spPr>
+          <a:xfrm>
+            <a:off x="685800" y="4343400"/>
+            <a:ext cx="5486400" cy="4114800"/>
+          </a:xfrm>
+          <a:prstGeom prst="rect">
+            <a:avLst/>
+          </a:prstGeom>
+        </p:spPr>
+        <p:txBody>
+          <a:bodyPr spcFirstLastPara="1" wrap="square" lIns="91425" tIns="91425" rIns="91425" bIns="91425" anchor="t" anchorCtr="0">
+            <a:noAutofit/>
+          </a:bodyPr>
+          <a:lstStyle/>
+          <a:p>
+            <a:pPr marL="0" lvl="0" indent="0" algn="l" rtl="0">
+              <a:spcBef>
+                <a:spcPts val="0"/>
+              </a:spcBef>
+              <a:spcAft>
+                <a:spcPts val="0"/>
+              </a:spcAft>
+              <a:buNone/>
+            </a:pPr>
+            <a:endParaRPr/>
+          </a:p>
+        </p:txBody>
+      </p:sp>
+    </p:spTree>
+    <p:extLst>
+      <p:ext uri="{BB962C8B-B14F-4D97-AF65-F5344CB8AC3E}">
+        <p14:creationId xmlns:p14="http://schemas.microsoft.com/office/powerpoint/2010/main" val="3868333517"/>
+      </p:ext>
+    </p:extLst>
+  </p:cSld>
+  <p:clrMapOvr>
+    <a:masterClrMapping/>
+  </p:clrMapOvr>
+</p:notes>
+</file>
+
+<file path=ppt/notesSlides/notesSlide11.xml><?xml version="1.0" encoding="utf-8"?>
+<p:notes xmlns:a="http://schemas.openxmlformats.org/drawingml/2006/main" xmlns:r="http://schemas.openxmlformats.org/officeDocument/2006/relationships" xmlns:p="http://schemas.openxmlformats.org/presentationml/2006/main" showMasterSp="0" showMasterPhAnim="0">
+  <p:cSld>
+    <p:spTree>
+      <p:nvGrpSpPr>
+        <p:cNvPr id="1" name="Shape 125"/>
+        <p:cNvGrpSpPr/>
+        <p:nvPr/>
+      </p:nvGrpSpPr>
+      <p:grpSpPr>
+        <a:xfrm>
+          <a:off x="0" y="0"/>
+          <a:ext cx="0" cy="0"/>
+          <a:chOff x="0" y="0"/>
+          <a:chExt cx="0" cy="0"/>
+        </a:xfrm>
+      </p:grpSpPr>
+      <p:sp>
+        <p:nvSpPr>
+          <p:cNvPr id="126" name="Google Shape;126;gf7007e9f55_2_0:notes"/>
+          <p:cNvSpPr>
+            <a:spLocks noGrp="1" noRot="1" noChangeAspect="1"/>
+          </p:cNvSpPr>
+          <p:nvPr>
+            <p:ph type="sldImg" idx="2"/>
+          </p:nvPr>
+        </p:nvSpPr>
+        <p:spPr>
+          <a:xfrm>
+            <a:off x="381000" y="685800"/>
+            <a:ext cx="6096000" cy="3429000"/>
+          </a:xfrm>
+          <a:custGeom>
+            <a:avLst/>
+            <a:gdLst/>
+            <a:ahLst/>
+            <a:cxnLst/>
+            <a:rect l="l" t="t" r="r" b="b"/>
+            <a:pathLst>
+              <a:path w="120000" h="120000" extrusionOk="0">
+                <a:moveTo>
+                  <a:pt x="0" y="0"/>
+                </a:moveTo>
+                <a:lnTo>
+                  <a:pt x="120000" y="0"/>
+                </a:lnTo>
+                <a:lnTo>
+                  <a:pt x="120000" y="120000"/>
+                </a:lnTo>
+                <a:lnTo>
+                  <a:pt x="0" y="120000"/>
+                </a:lnTo>
+                <a:close/>
+              </a:path>
+            </a:pathLst>
+          </a:custGeom>
+        </p:spPr>
+      </p:sp>
+      <p:sp>
+        <p:nvSpPr>
+          <p:cNvPr id="127" name="Google Shape;127;gf7007e9f55_2_0:notes"/>
+          <p:cNvSpPr txBox="1">
+            <a:spLocks noGrp="1"/>
+          </p:cNvSpPr>
+          <p:nvPr>
+            <p:ph type="body" idx="1"/>
+          </p:nvPr>
+        </p:nvSpPr>
+        <p:spPr>
+          <a:xfrm>
+            <a:off x="685800" y="4343400"/>
+            <a:ext cx="5486400" cy="4114800"/>
+          </a:xfrm>
+          <a:prstGeom prst="rect">
+            <a:avLst/>
+          </a:prstGeom>
+        </p:spPr>
+        <p:txBody>
+          <a:bodyPr spcFirstLastPara="1" wrap="square" lIns="91425" tIns="91425" rIns="91425" bIns="91425" anchor="t" anchorCtr="0">
+            <a:noAutofit/>
+          </a:bodyPr>
+          <a:lstStyle/>
+          <a:p>
+            <a:pPr marL="0" lvl="0" indent="0" algn="l" rtl="0">
+              <a:spcBef>
+                <a:spcPts val="0"/>
+              </a:spcBef>
+              <a:spcAft>
+                <a:spcPts val="0"/>
+              </a:spcAft>
+              <a:buNone/>
+            </a:pPr>
+            <a:endParaRPr/>
+          </a:p>
+        </p:txBody>
+      </p:sp>
+    </p:spTree>
+    <p:extLst>
+      <p:ext uri="{BB962C8B-B14F-4D97-AF65-F5344CB8AC3E}">
+        <p14:creationId xmlns:p14="http://schemas.microsoft.com/office/powerpoint/2010/main" val="2722522083"/>
+      </p:ext>
+    </p:extLst>
   </p:cSld>
   <p:clrMapOvr>
     <a:masterClrMapping/>
@@ -7954,6 +8174,213 @@
 </p:sld>
 </file>
 
+<file path=ppt/slides/slide10.xml><?xml version="1.0" encoding="utf-8"?>
+<p:sld xmlns:a="http://schemas.openxmlformats.org/drawingml/2006/main" xmlns:r="http://schemas.openxmlformats.org/officeDocument/2006/relationships" xmlns:p="http://schemas.openxmlformats.org/presentationml/2006/main">
+  <p:cSld>
+    <p:spTree>
+      <p:nvGrpSpPr>
+        <p:cNvPr id="1" name="Shape 128"/>
+        <p:cNvGrpSpPr/>
+        <p:nvPr/>
+      </p:nvGrpSpPr>
+      <p:grpSpPr>
+        <a:xfrm>
+          <a:off x="0" y="0"/>
+          <a:ext cx="0" cy="0"/>
+          <a:chOff x="0" y="0"/>
+          <a:chExt cx="0" cy="0"/>
+        </a:xfrm>
+      </p:grpSpPr>
+      <p:sp>
+        <p:nvSpPr>
+          <p:cNvPr id="129" name="Google Shape;129;p18"/>
+          <p:cNvSpPr txBox="1">
+            <a:spLocks noGrp="1"/>
+          </p:cNvSpPr>
+          <p:nvPr>
+            <p:ph type="title"/>
+          </p:nvPr>
+        </p:nvSpPr>
+        <p:spPr>
+          <a:xfrm>
+            <a:off x="628650" y="273844"/>
+            <a:ext cx="7886700" cy="994200"/>
+          </a:xfrm>
+          <a:prstGeom prst="rect">
+            <a:avLst/>
+          </a:prstGeom>
+        </p:spPr>
+        <p:txBody>
+          <a:bodyPr spcFirstLastPara="1" wrap="square" lIns="68575" tIns="34275" rIns="68575" bIns="34275" anchor="ctr" anchorCtr="0">
+            <a:normAutofit/>
+          </a:bodyPr>
+          <a:lstStyle/>
+          <a:p>
+            <a:pPr marL="0" lvl="0" indent="0" algn="l" rtl="0">
+              <a:spcBef>
+                <a:spcPts val="0"/>
+              </a:spcBef>
+              <a:spcAft>
+                <a:spcPts val="0"/>
+              </a:spcAft>
+              <a:buNone/>
+            </a:pPr>
+            <a:r>
+              <a:rPr lang="en" dirty="0"/>
+              <a:t>Questions? </a:t>
+            </a:r>
+            <a:endParaRPr dirty="0"/>
+          </a:p>
+        </p:txBody>
+      </p:sp>
+      <p:sp>
+        <p:nvSpPr>
+          <p:cNvPr id="130" name="Google Shape;130;p18"/>
+          <p:cNvSpPr txBox="1">
+            <a:spLocks noGrp="1"/>
+          </p:cNvSpPr>
+          <p:nvPr>
+            <p:ph type="body" idx="1"/>
+          </p:nvPr>
+        </p:nvSpPr>
+        <p:spPr>
+          <a:xfrm>
+            <a:off x="628650" y="1369219"/>
+            <a:ext cx="7886700" cy="3263400"/>
+          </a:xfrm>
+          <a:prstGeom prst="rect">
+            <a:avLst/>
+          </a:prstGeom>
+        </p:spPr>
+        <p:txBody>
+          <a:bodyPr spcFirstLastPara="1" wrap="square" lIns="68575" tIns="34275" rIns="68575" bIns="34275" anchor="t" anchorCtr="0">
+            <a:normAutofit/>
+          </a:bodyPr>
+          <a:lstStyle/>
+          <a:p>
+            <a:pPr marL="0" lvl="0" indent="0" algn="l" rtl="0">
+              <a:lnSpc>
+                <a:spcPct val="150000"/>
+              </a:lnSpc>
+              <a:spcBef>
+                <a:spcPts val="1200"/>
+              </a:spcBef>
+              <a:spcAft>
+                <a:spcPts val="1200"/>
+              </a:spcAft>
+              <a:buNone/>
+            </a:pPr>
+            <a:endParaRPr sz="1600" dirty="0">
+              <a:solidFill>
+                <a:schemeClr val="tx1"/>
+              </a:solidFill>
+            </a:endParaRPr>
+          </a:p>
+        </p:txBody>
+      </p:sp>
+    </p:spTree>
+    <p:extLst>
+      <p:ext uri="{BB962C8B-B14F-4D97-AF65-F5344CB8AC3E}">
+        <p14:creationId xmlns:p14="http://schemas.microsoft.com/office/powerpoint/2010/main" val="1516406491"/>
+      </p:ext>
+    </p:extLst>
+  </p:cSld>
+  <p:clrMapOvr>
+    <a:masterClrMapping/>
+  </p:clrMapOvr>
+</p:sld>
+</file>
+
+<file path=ppt/slides/slide11.xml><?xml version="1.0" encoding="utf-8"?>
+<p:sld xmlns:a="http://schemas.openxmlformats.org/drawingml/2006/main" xmlns:r="http://schemas.openxmlformats.org/officeDocument/2006/relationships" xmlns:p="http://schemas.openxmlformats.org/presentationml/2006/main">
+  <p:cSld>
+    <p:spTree>
+      <p:nvGrpSpPr>
+        <p:cNvPr id="1" name="Shape 128"/>
+        <p:cNvGrpSpPr/>
+        <p:nvPr/>
+      </p:nvGrpSpPr>
+      <p:grpSpPr>
+        <a:xfrm>
+          <a:off x="0" y="0"/>
+          <a:ext cx="0" cy="0"/>
+          <a:chOff x="0" y="0"/>
+          <a:chExt cx="0" cy="0"/>
+        </a:xfrm>
+      </p:grpSpPr>
+      <p:pic>
+        <p:nvPicPr>
+          <p:cNvPr id="5" name="Picture 4" descr="Chart, scatter chart&#10;&#10;Description automatically generated">
+            <a:extLst>
+              <a:ext uri="{FF2B5EF4-FFF2-40B4-BE49-F238E27FC236}">
+                <a16:creationId xmlns:a16="http://schemas.microsoft.com/office/drawing/2014/main" id="{CB110DB9-42E2-43CE-99B4-697EA5DF8C20}"/>
+              </a:ext>
+            </a:extLst>
+          </p:cNvPr>
+          <p:cNvPicPr>
+            <a:picLocks noChangeAspect="1"/>
+          </p:cNvPicPr>
+          <p:nvPr/>
+        </p:nvPicPr>
+        <p:blipFill>
+          <a:blip r:embed="rId3"/>
+          <a:stretch>
+            <a:fillRect/>
+          </a:stretch>
+        </p:blipFill>
+        <p:spPr>
+          <a:xfrm>
+            <a:off x="570600" y="1706393"/>
+            <a:ext cx="3732009" cy="2469158"/>
+          </a:xfrm>
+          <a:prstGeom prst="rect">
+            <a:avLst/>
+          </a:prstGeom>
+        </p:spPr>
+      </p:pic>
+      <p:pic>
+        <p:nvPicPr>
+          <p:cNvPr id="7" name="Picture 6" descr="Chart, line chart, histogram&#10;&#10;Description automatically generated">
+            <a:extLst>
+              <a:ext uri="{FF2B5EF4-FFF2-40B4-BE49-F238E27FC236}">
+                <a16:creationId xmlns:a16="http://schemas.microsoft.com/office/drawing/2014/main" id="{223D551B-E1DA-4339-B7BC-1E0216217222}"/>
+              </a:ext>
+            </a:extLst>
+          </p:cNvPr>
+          <p:cNvPicPr>
+            <a:picLocks noChangeAspect="1"/>
+          </p:cNvPicPr>
+          <p:nvPr/>
+        </p:nvPicPr>
+        <p:blipFill>
+          <a:blip r:embed="rId4"/>
+          <a:stretch>
+            <a:fillRect/>
+          </a:stretch>
+        </p:blipFill>
+        <p:spPr>
+          <a:xfrm>
+            <a:off x="4497365" y="1673015"/>
+            <a:ext cx="3823228" cy="2535913"/>
+          </a:xfrm>
+          <a:prstGeom prst="rect">
+            <a:avLst/>
+          </a:prstGeom>
+        </p:spPr>
+      </p:pic>
+    </p:spTree>
+    <p:extLst>
+      <p:ext uri="{BB962C8B-B14F-4D97-AF65-F5344CB8AC3E}">
+        <p14:creationId xmlns:p14="http://schemas.microsoft.com/office/powerpoint/2010/main" val="4032696903"/>
+      </p:ext>
+    </p:extLst>
+  </p:cSld>
+  <p:clrMapOvr>
+    <a:masterClrMapping/>
+  </p:clrMapOvr>
+</p:sld>
+</file>
+
 <file path=ppt/slides/slide2.xml><?xml version="1.0" encoding="utf-8"?>
 <p:sld xmlns:a="http://schemas.openxmlformats.org/drawingml/2006/main" xmlns:r="http://schemas.openxmlformats.org/officeDocument/2006/relationships" xmlns:p="http://schemas.openxmlformats.org/presentationml/2006/main">
   <p:cSld>
@@ -8080,7 +8507,7 @@
               <a:buNone/>
             </a:pPr>
             <a:r>
-              <a:rPr lang="en" sz="1500" b="1">
+              <a:rPr lang="en" sz="1500" b="1" dirty="0">
                 <a:solidFill>
                   <a:srgbClr val="000000"/>
                 </a:solidFill>
@@ -8091,7 +8518,7 @@
               </a:rPr>
               <a:t>Project Objective</a:t>
             </a:r>
-            <a:endParaRPr sz="1500">
+            <a:endParaRPr sz="1500" dirty="0">
               <a:solidFill>
                 <a:srgbClr val="000000"/>
               </a:solidFill>
@@ -8114,7 +8541,7 @@
               </a:spcAft>
               <a:buNone/>
             </a:pPr>
-            <a:endParaRPr sz="1500">
+            <a:endParaRPr sz="1500" dirty="0">
               <a:solidFill>
                 <a:srgbClr val="000000"/>
               </a:solidFill>
@@ -8134,7 +8561,7 @@
               <a:buNone/>
             </a:pPr>
             <a:r>
-              <a:rPr lang="en" sz="1500">
+              <a:rPr lang="en" sz="1500" dirty="0">
                 <a:solidFill>
                   <a:srgbClr val="000000"/>
                 </a:solidFill>
@@ -8145,7 +8572,7 @@
               </a:rPr>
               <a:t>Create a neural network model that will predict stock prices of 5 top tech companies</a:t>
             </a:r>
-            <a:endParaRPr sz="1500">
+            <a:endParaRPr sz="1500" dirty="0">
               <a:solidFill>
                 <a:srgbClr val="000000"/>
               </a:solidFill>
@@ -8172,7 +8599,7 @@
               <a:buSzPts val="600"/>
               <a:buNone/>
             </a:pPr>
-            <a:endParaRPr sz="600" b="0" i="0" u="none" strike="noStrike">
+            <a:endParaRPr sz="600" b="0" i="0" u="none" strike="noStrike" dirty="0">
               <a:solidFill>
                 <a:srgbClr val="000000"/>
               </a:solidFill>
@@ -8199,7 +8626,7 @@
               <a:buSzPts val="2100"/>
               <a:buNone/>
             </a:pPr>
-            <a:endParaRPr sz="1100">
+            <a:endParaRPr sz="1100" dirty="0">
               <a:solidFill>
                 <a:srgbClr val="000000"/>
               </a:solidFill>
@@ -8220,14 +8647,14 @@
               <a:buNone/>
             </a:pPr>
             <a:r>
-              <a:rPr lang="en" sz="1500" b="1">
+              <a:rPr lang="en" sz="1500" b="1" dirty="0">
                 <a:solidFill>
                   <a:schemeClr val="dk1"/>
                 </a:solidFill>
               </a:rPr>
               <a:t>Dataset</a:t>
             </a:r>
-            <a:endParaRPr sz="1100"/>
+            <a:endParaRPr sz="1100" dirty="0"/>
           </a:p>
           <a:p>
             <a:pPr marL="0" lvl="0" indent="0" algn="l" rtl="0">
@@ -8243,7 +8670,7 @@
               <a:buNone/>
             </a:pPr>
             <a:r>
-              <a:rPr lang="en" sz="1500">
+              <a:rPr lang="en" sz="1500" dirty="0">
                 <a:solidFill>
                   <a:srgbClr val="000000"/>
                 </a:solidFill>
@@ -8255,14 +8682,14 @@
               <a:t>Used a kaggle dataset with stock prices </a:t>
             </a:r>
             <a:r>
-              <a:rPr lang="en" sz="1500">
+              <a:rPr lang="en" sz="1500" dirty="0">
                 <a:solidFill>
                   <a:srgbClr val="000000"/>
                 </a:solidFill>
               </a:rPr>
               <a:t>for:</a:t>
             </a:r>
-            <a:endParaRPr sz="1500">
+            <a:endParaRPr sz="1500" dirty="0">
               <a:solidFill>
                 <a:srgbClr val="000000"/>
               </a:solidFill>
@@ -8281,7 +8708,7 @@
               </a:spcAft>
               <a:buNone/>
             </a:pPr>
-            <a:endParaRPr sz="1500">
+            <a:endParaRPr sz="1500" dirty="0">
               <a:solidFill>
                 <a:srgbClr val="000000"/>
               </a:solidFill>
@@ -8305,7 +8732,7 @@
               <a:buChar char="●"/>
             </a:pPr>
             <a:r>
-              <a:rPr lang="en" sz="1500">
+              <a:rPr lang="en" sz="1500" dirty="0">
                 <a:solidFill>
                   <a:srgbClr val="000000"/>
                 </a:solidFill>
@@ -8313,7 +8740,7 @@
               <a:t>Advanced Micro Devices, Inc. (NASDAQ: </a:t>
             </a:r>
             <a:r>
-              <a:rPr lang="en" sz="1500" b="1">
+              <a:rPr lang="en" sz="1500" b="1" dirty="0">
                 <a:solidFill>
                   <a:srgbClr val="000000"/>
                 </a:solidFill>
@@ -8321,14 +8748,14 @@
               <a:t>AMD</a:t>
             </a:r>
             <a:r>
-              <a:rPr lang="en" sz="1500">
+              <a:rPr lang="en" sz="1500" dirty="0">
                 <a:solidFill>
                   <a:srgbClr val="000000"/>
                 </a:solidFill>
               </a:rPr>
               <a:t>)</a:t>
             </a:r>
-            <a:endParaRPr sz="1500">
+            <a:endParaRPr sz="1500" dirty="0">
               <a:solidFill>
                 <a:srgbClr val="000000"/>
               </a:solidFill>
@@ -8352,7 +8779,7 @@
               <a:buChar char="●"/>
             </a:pPr>
             <a:r>
-              <a:rPr lang="en" sz="1500">
+              <a:rPr lang="en" sz="1500" dirty="0">
                 <a:solidFill>
                   <a:schemeClr val="dk1"/>
                 </a:solidFill>
@@ -8367,7 +8794,7 @@
               <a:t>Alphabet Inc Class A</a:t>
             </a:r>
             <a:r>
-              <a:rPr lang="en">
+              <a:rPr lang="en" dirty="0">
                 <a:solidFill>
                   <a:schemeClr val="dk1"/>
                 </a:solidFill>
@@ -8382,7 +8809,7 @@
               <a:t> </a:t>
             </a:r>
             <a:r>
-              <a:rPr lang="en" sz="1500">
+              <a:rPr lang="en" sz="1500" dirty="0">
                 <a:solidFill>
                   <a:srgbClr val="000000"/>
                 </a:solidFill>
@@ -8390,7 +8817,7 @@
               <a:t>(NASDAQ: </a:t>
             </a:r>
             <a:r>
-              <a:rPr lang="en" sz="1500" b="1">
+              <a:rPr lang="en" sz="1500" b="1" dirty="0">
                 <a:solidFill>
                   <a:srgbClr val="000000"/>
                 </a:solidFill>
@@ -8398,14 +8825,14 @@
               <a:t>GOOGL</a:t>
             </a:r>
             <a:r>
-              <a:rPr lang="en" sz="1500">
+              <a:rPr lang="en" sz="1500" dirty="0">
                 <a:solidFill>
                   <a:srgbClr val="000000"/>
                 </a:solidFill>
               </a:rPr>
               <a:t>)</a:t>
             </a:r>
-            <a:endParaRPr sz="1500">
+            <a:endParaRPr sz="1500" dirty="0">
               <a:solidFill>
                 <a:srgbClr val="000000"/>
               </a:solidFill>
@@ -8429,7 +8856,7 @@
               <a:buChar char="●"/>
             </a:pPr>
             <a:r>
-              <a:rPr lang="en" sz="1500">
+              <a:rPr lang="en" sz="1500" dirty="0">
                 <a:solidFill>
                   <a:srgbClr val="000000"/>
                 </a:solidFill>
@@ -8437,7 +8864,7 @@
               <a:t>Helmerich &amp; Payne, Inc. (NYSE: </a:t>
             </a:r>
             <a:r>
-              <a:rPr lang="en" sz="1500" b="1">
+              <a:rPr lang="en" sz="1500" b="1" dirty="0">
                 <a:solidFill>
                   <a:srgbClr val="000000"/>
                 </a:solidFill>
@@ -8445,14 +8872,14 @@
               <a:t>HP</a:t>
             </a:r>
             <a:r>
-              <a:rPr lang="en" sz="1500">
+              <a:rPr lang="en" sz="1500" dirty="0">
                 <a:solidFill>
                   <a:srgbClr val="000000"/>
                 </a:solidFill>
               </a:rPr>
               <a:t>)</a:t>
             </a:r>
-            <a:endParaRPr sz="1500">
+            <a:endParaRPr sz="1500" dirty="0">
               <a:solidFill>
                 <a:srgbClr val="000000"/>
               </a:solidFill>
@@ -8476,7 +8903,7 @@
               <a:buChar char="●"/>
             </a:pPr>
             <a:r>
-              <a:rPr lang="en" sz="1500">
+              <a:rPr lang="en" sz="1500" dirty="0">
                 <a:solidFill>
                   <a:srgbClr val="000000"/>
                 </a:solidFill>
@@ -8484,7 +8911,7 @@
               <a:t>Intel Corporation (NASDAQ: </a:t>
             </a:r>
             <a:r>
-              <a:rPr lang="en" sz="1500" b="1">
+              <a:rPr lang="en" sz="1500" b="1" dirty="0">
                 <a:solidFill>
                   <a:srgbClr val="000000"/>
                 </a:solidFill>
@@ -8492,14 +8919,14 @@
               <a:t>INTC</a:t>
             </a:r>
             <a:r>
-              <a:rPr lang="en" sz="1500">
+              <a:rPr lang="en" sz="1500" dirty="0">
                 <a:solidFill>
                   <a:srgbClr val="000000"/>
                 </a:solidFill>
               </a:rPr>
               <a:t>)</a:t>
             </a:r>
-            <a:endParaRPr sz="1500">
+            <a:endParaRPr sz="1500" dirty="0">
               <a:solidFill>
                 <a:srgbClr val="000000"/>
               </a:solidFill>
@@ -8523,7 +8950,7 @@
               <a:buChar char="●"/>
             </a:pPr>
             <a:r>
-              <a:rPr lang="en" sz="1500">
+              <a:rPr lang="en" sz="1500" dirty="0">
                 <a:solidFill>
                   <a:srgbClr val="000000"/>
                 </a:solidFill>
@@ -8531,7 +8958,7 @@
               <a:t>Tesla Inc. (NASDAQ: </a:t>
             </a:r>
             <a:r>
-              <a:rPr lang="en" sz="1500" b="1">
+              <a:rPr lang="en" sz="1500" b="1" dirty="0">
                 <a:solidFill>
                   <a:srgbClr val="000000"/>
                 </a:solidFill>
@@ -8539,14 +8966,14 @@
               <a:t>TSLA</a:t>
             </a:r>
             <a:r>
-              <a:rPr lang="en" sz="1500">
+              <a:rPr lang="en" sz="1500" dirty="0">
                 <a:solidFill>
                   <a:srgbClr val="000000"/>
                 </a:solidFill>
               </a:rPr>
               <a:t>)</a:t>
             </a:r>
-            <a:endParaRPr sz="1100"/>
+            <a:endParaRPr sz="1100" dirty="0"/>
           </a:p>
           <a:p>
             <a:pPr marL="0" lvl="0" indent="0" algn="l" rtl="0">
@@ -8561,7 +8988,7 @@
               </a:spcAft>
               <a:buNone/>
             </a:pPr>
-            <a:endParaRPr sz="1100"/>
+            <a:endParaRPr sz="1100" dirty="0"/>
           </a:p>
           <a:p>
             <a:pPr marL="0" lvl="0" indent="0" algn="l" rtl="0">
@@ -8580,7 +9007,7 @@
               <a:buSzPts val="2100"/>
               <a:buNone/>
             </a:pPr>
-            <a:endParaRPr sz="1100" b="1">
+            <a:endParaRPr sz="1100" b="1" dirty="0">
               <a:solidFill>
                 <a:srgbClr val="000000"/>
               </a:solidFill>
@@ -8601,14 +9028,14 @@
               <a:buNone/>
             </a:pPr>
             <a:r>
-              <a:rPr lang="en" sz="1500" b="1">
+              <a:rPr lang="en" sz="1500" b="1" dirty="0">
                 <a:solidFill>
                   <a:schemeClr val="dk1"/>
                 </a:solidFill>
               </a:rPr>
               <a:t>Source</a:t>
             </a:r>
-            <a:endParaRPr sz="1100"/>
+            <a:endParaRPr sz="1100" dirty="0"/>
           </a:p>
           <a:p>
             <a:pPr marL="520700" lvl="1" indent="-177800" algn="l" rtl="0">
@@ -8628,7 +9055,7 @@
               <a:buChar char="○"/>
             </a:pPr>
             <a:r>
-              <a:rPr lang="en">
+              <a:rPr lang="en" dirty="0">
                 <a:solidFill>
                   <a:schemeClr val="dk1"/>
                 </a:solidFill>
@@ -8636,11 +9063,11 @@
               <a:t>Kaggle:</a:t>
             </a:r>
             <a:r>
-              <a:rPr lang="en"/>
+              <a:rPr lang="en" dirty="0"/>
               <a:t> </a:t>
             </a:r>
             <a:r>
-              <a:rPr lang="en" sz="1400" b="0" i="0" u="sng" strike="noStrike">
+              <a:rPr lang="en" sz="1400" b="0" i="0" u="sng" strike="noStrike" dirty="0">
                 <a:solidFill>
                   <a:schemeClr val="hlink"/>
                 </a:solidFill>
@@ -8652,7 +9079,7 @@
               </a:rPr>
               <a:t>High-tech stock prices</a:t>
             </a:r>
-            <a:endParaRPr sz="1400" b="0" i="0" u="sng" strike="noStrike">
+            <a:endParaRPr sz="1400" b="0" i="0" u="sng" strike="noStrike" dirty="0">
               <a:solidFill>
                 <a:srgbClr val="1155CC"/>
               </a:solidFill>
@@ -8680,7 +9107,7 @@
               <a:buChar char="○"/>
             </a:pPr>
             <a:r>
-              <a:rPr lang="en" sz="1400" b="0" i="0" strike="noStrike">
+              <a:rPr lang="en" sz="1400" b="0" i="0" strike="noStrike" dirty="0">
                 <a:solidFill>
                   <a:schemeClr val="dk1"/>
                 </a:solidFill>
@@ -8692,7 +9119,7 @@
               <a:t>Science Direct: </a:t>
             </a:r>
             <a:r>
-              <a:rPr lang="en" sz="1400" u="sng">
+              <a:rPr lang="en" sz="1400" u="sng" dirty="0">
                 <a:solidFill>
                   <a:schemeClr val="hlink"/>
                 </a:solidFill>
@@ -8704,7 +9131,7 @@
               </a:rPr>
               <a:t>Stock Closing Price Prediction using Machine Learning Techniques</a:t>
             </a:r>
-            <a:endParaRPr sz="1400" b="0">
+            <a:endParaRPr sz="1400" b="0" dirty="0">
               <a:latin typeface="Arial"/>
               <a:ea typeface="Arial"/>
               <a:cs typeface="Arial"/>
@@ -10134,7 +10561,7 @@
               <a:buNone/>
             </a:pPr>
             <a:r>
-              <a:rPr lang="en">
+              <a:rPr lang="en" dirty="0">
                 <a:latin typeface="Calibri"/>
                 <a:ea typeface="Calibri"/>
                 <a:cs typeface="Calibri"/>
@@ -10142,7 +10569,7 @@
               </a:rPr>
               <a:t>High-Low; Close-Open;</a:t>
             </a:r>
-            <a:endParaRPr>
+            <a:endParaRPr dirty="0">
               <a:latin typeface="Calibri"/>
               <a:ea typeface="Calibri"/>
               <a:cs typeface="Calibri"/>
@@ -10160,7 +10587,7 @@
               <a:buNone/>
             </a:pPr>
             <a:r>
-              <a:rPr lang="en">
+              <a:rPr lang="en" dirty="0">
                 <a:latin typeface="Calibri"/>
                 <a:ea typeface="Calibri"/>
                 <a:cs typeface="Calibri"/>
@@ -10168,7 +10595,7 @@
               </a:rPr>
               <a:t>7-day avg, 14-day avg, 21-day avg;</a:t>
             </a:r>
-            <a:endParaRPr>
+            <a:endParaRPr dirty="0">
               <a:latin typeface="Calibri"/>
               <a:ea typeface="Calibri"/>
               <a:cs typeface="Calibri"/>
@@ -10186,7 +10613,7 @@
               <a:buNone/>
             </a:pPr>
             <a:r>
-              <a:rPr lang="en">
+              <a:rPr lang="en" dirty="0">
                 <a:latin typeface="Calibri"/>
                 <a:ea typeface="Calibri"/>
                 <a:cs typeface="Calibri"/>
@@ -10194,7 +10621,7 @@
               </a:rPr>
               <a:t>7-day Std.Dev. </a:t>
             </a:r>
-            <a:endParaRPr>
+            <a:endParaRPr dirty="0">
               <a:latin typeface="Calibri"/>
               <a:ea typeface="Calibri"/>
               <a:cs typeface="Calibri"/>
@@ -10602,10 +11029,10 @@
               <a:buNone/>
             </a:pPr>
             <a:r>
-              <a:rPr lang="en" sz="1500"/>
+              <a:rPr lang="en" sz="1500" dirty="0"/>
               <a:t>Created a neural network regression model that attempts to predict the stock prices of 5 top tier tech companies </a:t>
             </a:r>
-            <a:endParaRPr sz="1500"/>
+            <a:endParaRPr sz="1500" dirty="0"/>
           </a:p>
           <a:p>
             <a:pPr marL="0" lvl="0" indent="0" algn="l" rtl="0">
@@ -10617,7 +11044,7 @@
               </a:spcAft>
               <a:buNone/>
             </a:pPr>
-            <a:endParaRPr sz="1500"/>
+            <a:endParaRPr sz="1500" dirty="0"/>
           </a:p>
           <a:p>
             <a:pPr marL="0" lvl="0" indent="0" algn="l" rtl="0">
@@ -10630,10 +11057,10 @@
               <a:buNone/>
             </a:pPr>
             <a:r>
-              <a:rPr lang="en" sz="1500"/>
+              <a:rPr lang="en" sz="1500" dirty="0"/>
               <a:t>Requires further optimization to determine the best settings (# nodes, # layers, activation, etc)</a:t>
             </a:r>
-            <a:endParaRPr sz="1500"/>
+            <a:endParaRPr sz="1500" dirty="0"/>
           </a:p>
           <a:p>
             <a:pPr marL="0" lvl="0" indent="0" algn="l" rtl="0">
@@ -10645,7 +11072,7 @@
               </a:spcAft>
               <a:buNone/>
             </a:pPr>
-            <a:endParaRPr sz="1500"/>
+            <a:endParaRPr sz="1500" dirty="0"/>
           </a:p>
           <a:p>
             <a:pPr marL="0" lvl="0" indent="0" algn="l" rtl="0">
@@ -10658,10 +11085,10 @@
               <a:buNone/>
             </a:pPr>
             <a:r>
-              <a:rPr lang="en" sz="1500" b="1"/>
+              <a:rPr lang="en" sz="1500" b="1" dirty="0"/>
               <a:t>Challenges</a:t>
             </a:r>
-            <a:endParaRPr sz="1500" b="1"/>
+            <a:endParaRPr sz="1500" b="1" dirty="0"/>
           </a:p>
           <a:p>
             <a:pPr marL="457200" lvl="0" indent="-311150" algn="l" rtl="0">
@@ -10675,10 +11102,10 @@
               <a:buChar char="●"/>
             </a:pPr>
             <a:r>
-              <a:rPr lang="en" sz="1300"/>
+              <a:rPr lang="en" sz="1300" dirty="0"/>
               <a:t>Model recognizes the overall trends but overshoots its predictions</a:t>
             </a:r>
-            <a:endParaRPr sz="1300"/>
+            <a:endParaRPr sz="1300" dirty="0"/>
           </a:p>
           <a:p>
             <a:pPr marL="457200" lvl="0" indent="-311150" algn="l" rtl="0">
@@ -10692,10 +11119,10 @@
               <a:buChar char="●"/>
             </a:pPr>
             <a:r>
-              <a:rPr lang="en" sz="1300"/>
+              <a:rPr lang="en" sz="1300" dirty="0"/>
               <a:t>Model struggles with high priced stock more than low priced stock (more variability)</a:t>
             </a:r>
-            <a:endParaRPr sz="1300"/>
+            <a:endParaRPr sz="1300" dirty="0"/>
           </a:p>
           <a:p>
             <a:pPr marL="457200" lvl="0" indent="-311150" algn="l" rtl="0">
@@ -10709,10 +11136,10 @@
               <a:buChar char="●"/>
             </a:pPr>
             <a:r>
-              <a:rPr lang="en" sz="1300"/>
+              <a:rPr lang="en" sz="1300" dirty="0"/>
               <a:t>Time...</a:t>
             </a:r>
-            <a:endParaRPr sz="1300"/>
+            <a:endParaRPr sz="1300" dirty="0"/>
           </a:p>
           <a:p>
             <a:pPr marL="0" lvl="0" indent="0" algn="l" rtl="0">
@@ -10724,7 +11151,7 @@
               </a:spcAft>
               <a:buNone/>
             </a:pPr>
-            <a:endParaRPr sz="1500"/>
+            <a:endParaRPr sz="1500" dirty="0"/>
           </a:p>
           <a:p>
             <a:pPr marL="0" lvl="0" indent="0" algn="l" rtl="0">
@@ -10736,7 +11163,7 @@
               </a:spcAft>
               <a:buNone/>
             </a:pPr>
-            <a:endParaRPr sz="1500"/>
+            <a:endParaRPr sz="1500" dirty="0"/>
           </a:p>
         </p:txBody>
       </p:sp>
